--- a/GA2/1093/Entrega/Evidencia-GA2-220501093-AA1-EV02-Elaboracion-de-Diagramas-y-Plantillas-para-Casos-de-Uso-del-Proyect.pptx
+++ b/GA2/1093/Entrega/Evidencia-GA2-220501093-AA1-EV02-Elaboracion-de-Diagramas-y-Plantillas-para-Casos-de-Uso-del-Proyect.pptx
@@ -77,7 +77,18 @@
                 <a:uFillTx/>
                 <a:latin typeface="Arial"/>
               </a:rPr>
-              <a:t>Click to move the slide</a:t>
+              <a:t>Click to move </a:t>
+            </a:r>
+            <a:r>
+              <a:rPr b="0" lang="es-CO" sz="4400" strike="noStrike" u="none">
+                <a:solidFill>
+                  <a:srgbClr val="000000"/>
+                </a:solidFill>
+                <a:effectLst/>
+                <a:uFillTx/>
+                <a:latin typeface="Arial"/>
+              </a:rPr>
+              <a:t>the slide</a:t>
             </a:r>
             <a:endParaRPr b="0" lang="es-CO" sz="4400" strike="noStrike" u="none">
               <a:solidFill>
@@ -372,7 +383,7 @@
             <a:pPr indent="0" algn="r">
               <a:buNone/>
             </a:pPr>
-            <a:fld id="{00D492AC-1187-4AD7-84FA-563BD8AC91E6}" type="slidenum">
+            <a:fld id="{45A16ED4-21AD-4D46-9F02-9D58301E4A84}" type="slidenum">
               <a:rPr b="0" lang="es-CO" sz="1400" strike="noStrike" u="none">
                 <a:solidFill>
                   <a:srgbClr val="000000"/>
@@ -430,7 +441,7 @@
         <p:spPr>
           <a:xfrm>
             <a:off x="685800" y="1143000"/>
-            <a:ext cx="5485680" cy="3085560"/>
+            <a:ext cx="5485320" cy="3085200"/>
           </a:xfrm>
           <a:prstGeom prst="rect">
             <a:avLst/>
@@ -453,7 +464,7 @@
         <p:spPr>
           <a:xfrm>
             <a:off x="685800" y="4400640"/>
-            <a:ext cx="5485680" cy="3599640"/>
+            <a:ext cx="5485320" cy="3599280"/>
           </a:xfrm>
           <a:prstGeom prst="rect">
             <a:avLst/>
@@ -495,7 +506,7 @@
         <p:spPr>
           <a:xfrm>
             <a:off x="3884760" y="8685360"/>
-            <a:ext cx="2971080" cy="457920"/>
+            <a:ext cx="2970720" cy="457560"/>
           </a:xfrm>
           <a:prstGeom prst="rect">
             <a:avLst/>
@@ -538,7 +549,7 @@
                 <a:tab algn="l" pos="0"/>
               </a:tabLst>
             </a:pPr>
-            <a:fld id="{3F58CD64-FD28-49CB-B922-718B1FBDC48E}" type="slidenum">
+            <a:fld id="{A6BFD559-39DF-43CA-9CD4-62ABDF90609B}" type="slidenum">
               <a:rPr b="0" lang="en-US" sz="1400" strike="noStrike" u="none">
                 <a:solidFill>
                   <a:srgbClr val="000000"/>
@@ -595,7 +606,7 @@
         <p:spPr>
           <a:xfrm>
             <a:off x="685800" y="1143000"/>
-            <a:ext cx="5485680" cy="3085560"/>
+            <a:ext cx="5485320" cy="3085200"/>
           </a:xfrm>
           <a:prstGeom prst="rect">
             <a:avLst/>
@@ -618,7 +629,7 @@
         <p:spPr>
           <a:xfrm>
             <a:off x="685800" y="4400640"/>
-            <a:ext cx="5485680" cy="3599640"/>
+            <a:ext cx="5485320" cy="3599280"/>
           </a:xfrm>
           <a:prstGeom prst="rect">
             <a:avLst/>
@@ -660,7 +671,7 @@
         <p:spPr>
           <a:xfrm>
             <a:off x="3884760" y="8685360"/>
-            <a:ext cx="2971080" cy="457920"/>
+            <a:ext cx="2970720" cy="457560"/>
           </a:xfrm>
           <a:prstGeom prst="rect">
             <a:avLst/>
@@ -703,7 +714,7 @@
                 <a:tab algn="l" pos="0"/>
               </a:tabLst>
             </a:pPr>
-            <a:fld id="{4CE734D7-7ED6-4919-B832-0CC5264D133B}" type="slidenum">
+            <a:fld id="{D08E0B72-FC7A-467B-BC53-4279155647D3}" type="slidenum">
               <a:rPr b="0" lang="en-US" sz="1400" strike="noStrike" u="none">
                 <a:solidFill>
                   <a:srgbClr val="000000"/>
@@ -760,7 +771,7 @@
         <p:spPr>
           <a:xfrm>
             <a:off x="685800" y="1143000"/>
-            <a:ext cx="5485680" cy="3085560"/>
+            <a:ext cx="5485320" cy="3085200"/>
           </a:xfrm>
           <a:prstGeom prst="rect">
             <a:avLst/>
@@ -783,7 +794,7 @@
         <p:spPr>
           <a:xfrm>
             <a:off x="685800" y="4400640"/>
-            <a:ext cx="5485680" cy="3599640"/>
+            <a:ext cx="5485320" cy="3599280"/>
           </a:xfrm>
           <a:prstGeom prst="rect">
             <a:avLst/>
@@ -825,7 +836,7 @@
         <p:spPr>
           <a:xfrm>
             <a:off x="3884760" y="8685360"/>
-            <a:ext cx="2971080" cy="457920"/>
+            <a:ext cx="2970720" cy="457560"/>
           </a:xfrm>
           <a:prstGeom prst="rect">
             <a:avLst/>
@@ -868,7 +879,7 @@
                 <a:tab algn="l" pos="0"/>
               </a:tabLst>
             </a:pPr>
-            <a:fld id="{B95E03F3-9874-4649-A6FB-2A316A8DF2E4}" type="slidenum">
+            <a:fld id="{31A75568-6F34-49FB-A7EF-DF427BAF449E}" type="slidenum">
               <a:rPr b="0" lang="en-US" sz="1400" strike="noStrike" u="none">
                 <a:solidFill>
                   <a:srgbClr val="000000"/>
@@ -925,7 +936,7 @@
         <p:spPr>
           <a:xfrm>
             <a:off x="685800" y="1143000"/>
-            <a:ext cx="5485680" cy="3085560"/>
+            <a:ext cx="5485320" cy="3085200"/>
           </a:xfrm>
           <a:prstGeom prst="rect">
             <a:avLst/>
@@ -948,7 +959,7 @@
         <p:spPr>
           <a:xfrm>
             <a:off x="685800" y="4400640"/>
-            <a:ext cx="5485680" cy="3599640"/>
+            <a:ext cx="5485320" cy="3599280"/>
           </a:xfrm>
           <a:prstGeom prst="rect">
             <a:avLst/>
@@ -990,7 +1001,7 @@
         <p:spPr>
           <a:xfrm>
             <a:off x="3884760" y="8685360"/>
-            <a:ext cx="2971080" cy="457920"/>
+            <a:ext cx="2970720" cy="457560"/>
           </a:xfrm>
           <a:prstGeom prst="rect">
             <a:avLst/>
@@ -1033,7 +1044,7 @@
                 <a:tab algn="l" pos="0"/>
               </a:tabLst>
             </a:pPr>
-            <a:fld id="{8FA3BEFA-0542-4D3B-936E-E80F661F6B95}" type="slidenum">
+            <a:fld id="{F91F5011-F10E-4CC4-A4E8-346D64089463}" type="slidenum">
               <a:rPr b="0" lang="en-US" sz="1400" strike="noStrike" u="none">
                 <a:solidFill>
                   <a:srgbClr val="000000"/>
@@ -1090,7 +1101,7 @@
         <p:spPr>
           <a:xfrm>
             <a:off x="685800" y="1143000"/>
-            <a:ext cx="5485680" cy="3085560"/>
+            <a:ext cx="5485320" cy="3085200"/>
           </a:xfrm>
           <a:prstGeom prst="rect">
             <a:avLst/>
@@ -1113,7 +1124,7 @@
         <p:spPr>
           <a:xfrm>
             <a:off x="685800" y="4400640"/>
-            <a:ext cx="5485680" cy="3599640"/>
+            <a:ext cx="5485320" cy="3599280"/>
           </a:xfrm>
           <a:prstGeom prst="rect">
             <a:avLst/>
@@ -1155,7 +1166,7 @@
         <p:spPr>
           <a:xfrm>
             <a:off x="3884760" y="8685360"/>
-            <a:ext cx="2971080" cy="457920"/>
+            <a:ext cx="2970720" cy="457560"/>
           </a:xfrm>
           <a:prstGeom prst="rect">
             <a:avLst/>
@@ -1198,7 +1209,7 @@
                 <a:tab algn="l" pos="0"/>
               </a:tabLst>
             </a:pPr>
-            <a:fld id="{FC3267B7-E280-4A9D-B300-E12E68D0983F}" type="slidenum">
+            <a:fld id="{D4F00041-707D-43CF-A251-88C26559CCD4}" type="slidenum">
               <a:rPr b="0" lang="en-US" sz="1400" strike="noStrike" u="none">
                 <a:solidFill>
                   <a:srgbClr val="000000"/>
@@ -1255,7 +1266,7 @@
         <p:spPr>
           <a:xfrm>
             <a:off x="685800" y="1143000"/>
-            <a:ext cx="5485680" cy="3085560"/>
+            <a:ext cx="5485320" cy="3085200"/>
           </a:xfrm>
           <a:prstGeom prst="rect">
             <a:avLst/>
@@ -1278,7 +1289,7 @@
         <p:spPr>
           <a:xfrm>
             <a:off x="685800" y="4400640"/>
-            <a:ext cx="5485680" cy="3599640"/>
+            <a:ext cx="5485320" cy="3599280"/>
           </a:xfrm>
           <a:prstGeom prst="rect">
             <a:avLst/>
@@ -1320,7 +1331,7 @@
         <p:spPr>
           <a:xfrm>
             <a:off x="3884760" y="8685360"/>
-            <a:ext cx="2971080" cy="457920"/>
+            <a:ext cx="2970720" cy="457560"/>
           </a:xfrm>
           <a:prstGeom prst="rect">
             <a:avLst/>
@@ -1363,7 +1374,7 @@
                 <a:tab algn="l" pos="0"/>
               </a:tabLst>
             </a:pPr>
-            <a:fld id="{22C9A551-67E3-4A1D-8E00-64543A4AF9E3}" type="slidenum">
+            <a:fld id="{CA3E0079-B264-4344-A9EB-E239EC42131D}" type="slidenum">
               <a:rPr b="0" lang="en-US" sz="1400" strike="noStrike" u="none">
                 <a:solidFill>
                   <a:srgbClr val="000000"/>
@@ -1420,7 +1431,7 @@
         <p:spPr>
           <a:xfrm>
             <a:off x="685800" y="1143000"/>
-            <a:ext cx="5485680" cy="3085560"/>
+            <a:ext cx="5485320" cy="3085200"/>
           </a:xfrm>
           <a:prstGeom prst="rect">
             <a:avLst/>
@@ -1443,7 +1454,7 @@
         <p:spPr>
           <a:xfrm>
             <a:off x="685800" y="4400640"/>
-            <a:ext cx="5485680" cy="3600000"/>
+            <a:ext cx="5485320" cy="3599640"/>
           </a:xfrm>
           <a:prstGeom prst="rect">
             <a:avLst/>
@@ -1485,7 +1496,7 @@
         <p:spPr>
           <a:xfrm>
             <a:off x="3884760" y="8685360"/>
-            <a:ext cx="2971080" cy="457920"/>
+            <a:ext cx="2970720" cy="457560"/>
           </a:xfrm>
           <a:prstGeom prst="rect">
             <a:avLst/>
@@ -1528,7 +1539,7 @@
                 <a:tab algn="l" pos="0"/>
               </a:tabLst>
             </a:pPr>
-            <a:fld id="{1F94B450-707E-46DE-B8DF-9C93D0D5326F}" type="slidenum">
+            <a:fld id="{0478E6D2-C2A4-40EF-89B5-F80A678C29F2}" type="slidenum">
               <a:rPr b="0" lang="en-US" sz="1400" strike="noStrike" u="none">
                 <a:solidFill>
                   <a:srgbClr val="000000"/>
@@ -1537,7 +1548,7 @@
                 <a:uFillTx/>
                 <a:latin typeface="Times New Roman"/>
               </a:rPr>
-              <a:t>1</a:t>
+              <a:t>&lt;number&gt;</a:t>
             </a:fld>
             <a:endParaRPr b="0" lang="es-CO" sz="1400" strike="noStrike" u="none">
               <a:solidFill>
@@ -1585,7 +1596,7 @@
         <p:spPr>
           <a:xfrm>
             <a:off x="685800" y="1143000"/>
-            <a:ext cx="5485680" cy="3085560"/>
+            <a:ext cx="5485320" cy="3085200"/>
           </a:xfrm>
           <a:prstGeom prst="rect">
             <a:avLst/>
@@ -1608,7 +1619,7 @@
         <p:spPr>
           <a:xfrm>
             <a:off x="685800" y="4400640"/>
-            <a:ext cx="5485680" cy="3599640"/>
+            <a:ext cx="5485320" cy="3599280"/>
           </a:xfrm>
           <a:prstGeom prst="rect">
             <a:avLst/>
@@ -1650,7 +1661,7 @@
         <p:spPr>
           <a:xfrm>
             <a:off x="3884760" y="8685360"/>
-            <a:ext cx="2971080" cy="457920"/>
+            <a:ext cx="2970720" cy="457560"/>
           </a:xfrm>
           <a:prstGeom prst="rect">
             <a:avLst/>
@@ -1693,7 +1704,7 @@
                 <a:tab algn="l" pos="0"/>
               </a:tabLst>
             </a:pPr>
-            <a:fld id="{33CE16EB-72D5-42E4-A0D6-A12AF46362BF}" type="slidenum">
+            <a:fld id="{20612EA8-4C8D-4996-AD13-618BDFF818E5}" type="slidenum">
               <a:rPr b="0" lang="en-US" sz="1400" strike="noStrike" u="none">
                 <a:solidFill>
                   <a:srgbClr val="000000"/>
@@ -1806,7 +1817,29 @@
                 <a:uFillTx/>
                 <a:latin typeface="Arial"/>
               </a:rPr>
-              <a:t>Click to edit the title text format</a:t>
+              <a:t>Click to edit </a:t>
+            </a:r>
+            <a:r>
+              <a:rPr b="0" lang="es-CO" sz="4400" strike="noStrike" u="none">
+                <a:solidFill>
+                  <a:srgbClr val="000000"/>
+                </a:solidFill>
+                <a:effectLst/>
+                <a:uFillTx/>
+                <a:latin typeface="Arial"/>
+              </a:rPr>
+              <a:t>the title text </a:t>
+            </a:r>
+            <a:r>
+              <a:rPr b="0" lang="es-CO" sz="4400" strike="noStrike" u="none">
+                <a:solidFill>
+                  <a:srgbClr val="000000"/>
+                </a:solidFill>
+                <a:effectLst/>
+                <a:uFillTx/>
+                <a:latin typeface="Arial"/>
+              </a:rPr>
+              <a:t>format</a:t>
             </a:r>
             <a:endParaRPr b="0" lang="es-CO" sz="4400" strike="noStrike" u="none">
               <a:solidFill>
@@ -2111,7 +2144,7 @@
         <p:spPr>
           <a:xfrm>
             <a:off x="-1060200" y="-62280"/>
-            <a:ext cx="14629680" cy="8228880"/>
+            <a:ext cx="14629320" cy="8228520"/>
           </a:xfrm>
           <a:prstGeom prst="rect">
             <a:avLst/>
@@ -2131,7 +2164,7 @@
         <p:spPr>
           <a:xfrm>
             <a:off x="-267480" y="3431520"/>
-            <a:ext cx="14629680" cy="8228880"/>
+            <a:ext cx="14629320" cy="8228520"/>
           </a:xfrm>
           <a:prstGeom prst="rect">
             <a:avLst/>
@@ -2156,6 +2189,11 @@
             <a:noAutofit/>
           </a:bodyPr>
           <a:p>
+            <a:pPr>
+              <a:lnSpc>
+                <a:spcPct val="100000"/>
+              </a:lnSpc>
+            </a:pPr>
             <a:r>
               <a:rPr b="0" lang="es-CO" sz="1400" strike="noStrike" u="none">
                 <a:solidFill>
@@ -2191,7 +2229,7 @@
         <p:spPr>
           <a:xfrm>
             <a:off x="9344160" y="0"/>
-            <a:ext cx="5485680" cy="8228880"/>
+            <a:ext cx="5485320" cy="8228520"/>
           </a:xfrm>
           <a:prstGeom prst="rect">
             <a:avLst/>
@@ -2202,40 +2240,16 @@
           </a:ln>
         </p:spPr>
       </p:pic>
-      <p:pic>
-        <p:nvPicPr>
-          <p:cNvPr id="11" name="Google Shape;19;p1" descr="preencoded.png"/>
-          <p:cNvPicPr/>
-          <p:nvPr/>
-        </p:nvPicPr>
-        <p:blipFill>
-          <a:blip r:embed="rId3"/>
-          <a:stretch/>
-        </p:blipFill>
-        <p:spPr>
-          <a:xfrm>
-            <a:off x="9560160" y="2042640"/>
-            <a:ext cx="5053680" cy="4143960"/>
-          </a:xfrm>
-          <a:prstGeom prst="rect">
-            <a:avLst/>
-          </a:prstGeom>
-          <a:noFill/>
-          <a:ln w="0">
-            <a:noFill/>
-          </a:ln>
-        </p:spPr>
-      </p:pic>
-      <p:sp>
-        <p:nvSpPr>
-          <p:cNvPr id="12" name="Google Shape;20;p1"/>
+      <p:sp>
+        <p:nvSpPr>
+          <p:cNvPr id="11" name="Google Shape;21;p1"/>
           <p:cNvSpPr/>
           <p:nvPr/>
         </p:nvSpPr>
         <p:spPr>
           <a:xfrm>
-            <a:off x="597600" y="812160"/>
-            <a:ext cx="7933680" cy="5961960"/>
+            <a:off x="903600" y="4806360"/>
+            <a:ext cx="7933320" cy="275400"/>
           </a:xfrm>
           <a:prstGeom prst="rect">
             <a:avLst/>
@@ -2258,45 +2272,45 @@
           <a:p>
             <a:pPr>
               <a:lnSpc>
-                <a:spcPct val="124000"/>
-              </a:lnSpc>
-              <a:tabLst>
-                <a:tab algn="l" pos="0"/>
-              </a:tabLst>
-            </a:pPr>
-            <a:r>
-              <a:rPr b="1" lang="en-US" sz="3890" strike="noStrike" u="none">
-                <a:solidFill>
-                  <a:srgbClr val="f0f4f1"/>
+                <a:spcPct val="159000"/>
+              </a:lnSpc>
+              <a:tabLst>
+                <a:tab algn="l" pos="0"/>
+              </a:tabLst>
+            </a:pPr>
+            <a:r>
+              <a:rPr b="0" lang="en-US" sz="1360" strike="noStrike" u="none">
+                <a:solidFill>
+                  <a:srgbClr val="d7e5d8"/>
                 </a:solidFill>
                 <a:effectLst/>
                 <a:uFillTx/>
                 <a:latin typeface="Syne"/>
                 <a:ea typeface="Syne"/>
               </a:rPr>
-              <a:t>Evidencia GA2-220501093-AA1-EV02: Elaboración de Diagramas y Plantillas para Casos de Uso del Proyecto</a:t>
-            </a:r>
-            <a:endParaRPr b="0" lang="es-CO" sz="3890" strike="noStrike" u="none">
-              <a:solidFill>
-                <a:srgbClr val="000000"/>
-              </a:solidFill>
-              <a:effectLst/>
-              <a:uFillTx/>
-              <a:latin typeface="Arial"/>
-            </a:endParaRPr>
-          </a:p>
-        </p:txBody>
-      </p:sp>
-      <p:sp>
-        <p:nvSpPr>
-          <p:cNvPr id="13" name="Google Shape;21;p1"/>
+              <a:t>Censo Comunidades Rurales</a:t>
+            </a:r>
+            <a:endParaRPr b="0" lang="es-CO" sz="1360" strike="noStrike" u="none">
+              <a:solidFill>
+                <a:srgbClr val="000000"/>
+              </a:solidFill>
+              <a:effectLst/>
+              <a:uFillTx/>
+              <a:latin typeface="Arial"/>
+            </a:endParaRPr>
+          </a:p>
+        </p:txBody>
+      </p:sp>
+      <p:sp>
+        <p:nvSpPr>
+          <p:cNvPr id="12" name="Google Shape;21;p 1"/>
           <p:cNvSpPr/>
           <p:nvPr/>
         </p:nvSpPr>
         <p:spPr>
           <a:xfrm>
-            <a:off x="903600" y="4806360"/>
-            <a:ext cx="7933680" cy="275760"/>
+            <a:off x="903600" y="5885640"/>
+            <a:ext cx="7933320" cy="275400"/>
           </a:xfrm>
           <a:prstGeom prst="rect">
             <a:avLst/>
@@ -2335,7 +2349,7 @@
                 <a:latin typeface="Syne"/>
                 <a:ea typeface="Syne"/>
               </a:rPr>
-              <a:t>Censo Comunidades Rurales</a:t>
+              <a:t>Aprendiz Digital SENA I J Gallardo Navarro</a:t>
             </a:r>
             <a:endParaRPr b="0" lang="es-CO" sz="1360" strike="noStrike" u="none">
               <a:solidFill>
@@ -2348,67 +2362,54 @@
           </a:p>
         </p:txBody>
       </p:sp>
-      <p:sp>
-        <p:nvSpPr>
-          <p:cNvPr id="14" name="Google Shape;21;p 1"/>
-          <p:cNvSpPr/>
-          <p:nvPr/>
-        </p:nvSpPr>
-        <p:spPr>
-          <a:xfrm>
-            <a:off x="903600" y="5885640"/>
-            <a:ext cx="7933680" cy="275760"/>
-          </a:xfrm>
-          <a:prstGeom prst="rect">
-            <a:avLst/>
-          </a:prstGeom>
-          <a:noFill/>
-          <a:ln w="0">
-            <a:noFill/>
-          </a:ln>
-        </p:spPr>
-        <p:style>
-          <a:lnRef idx="0"/>
-          <a:fillRef idx="0"/>
-          <a:effectRef idx="0"/>
-          <a:fontRef idx="minor"/>
-        </p:style>
-        <p:txBody>
-          <a:bodyPr lIns="90000" rIns="90000" tIns="45000" bIns="45000" anchor="t">
-            <a:noAutofit/>
-          </a:bodyPr>
-          <a:p>
-            <a:pPr>
-              <a:lnSpc>
-                <a:spcPct val="159000"/>
-              </a:lnSpc>
-              <a:tabLst>
-                <a:tab algn="l" pos="0"/>
-              </a:tabLst>
-            </a:pPr>
-            <a:r>
-              <a:rPr b="0" lang="en-US" sz="1360" strike="noStrike" u="none">
-                <a:solidFill>
-                  <a:srgbClr val="d7e5d8"/>
-                </a:solidFill>
-                <a:effectLst/>
-                <a:uFillTx/>
-                <a:latin typeface="Syne"/>
-                <a:ea typeface="Syne"/>
-              </a:rPr>
-              <a:t>Aprendiz Digital SENA I J Gallardo Navarro</a:t>
-            </a:r>
-            <a:endParaRPr b="0" lang="es-CO" sz="1360" strike="noStrike" u="none">
-              <a:solidFill>
-                <a:srgbClr val="000000"/>
-              </a:solidFill>
-              <a:effectLst/>
-              <a:uFillTx/>
-              <a:latin typeface="Arial"/>
-            </a:endParaRPr>
-          </a:p>
-        </p:txBody>
-      </p:sp>
+      <p:pic>
+        <p:nvPicPr>
+          <p:cNvPr id="13" name="" descr=""/>
+          <p:cNvPicPr/>
+          <p:nvPr/>
+        </p:nvPicPr>
+        <p:blipFill>
+          <a:blip r:embed="rId3"/>
+          <a:stretch/>
+        </p:blipFill>
+        <p:spPr>
+          <a:xfrm>
+            <a:off x="7674120" y="2529360"/>
+            <a:ext cx="7048080" cy="5285880"/>
+          </a:xfrm>
+          <a:prstGeom prst="rect">
+            <a:avLst/>
+          </a:prstGeom>
+          <a:noFill/>
+          <a:ln w="0">
+            <a:noFill/>
+          </a:ln>
+        </p:spPr>
+      </p:pic>
+      <p:pic>
+        <p:nvPicPr>
+          <p:cNvPr id="14" name="" descr=""/>
+          <p:cNvPicPr/>
+          <p:nvPr/>
+        </p:nvPicPr>
+        <p:blipFill>
+          <a:blip r:embed="rId4"/>
+          <a:stretch/>
+        </p:blipFill>
+        <p:spPr>
+          <a:xfrm>
+            <a:off x="163080" y="227880"/>
+            <a:ext cx="7932600" cy="5960520"/>
+          </a:xfrm>
+          <a:prstGeom prst="rect">
+            <a:avLst/>
+          </a:prstGeom>
+          <a:noFill/>
+          <a:ln w="0">
+            <a:noFill/>
+          </a:ln>
+        </p:spPr>
+      </p:pic>
     </p:spTree>
   </p:cSld>
   <mc:AlternateContent>
@@ -2452,7 +2453,7 @@
         <p:spPr>
           <a:xfrm>
             <a:off x="-2520" y="4320"/>
-            <a:ext cx="14629680" cy="8228880"/>
+            <a:ext cx="14629320" cy="8228520"/>
           </a:xfrm>
           <a:prstGeom prst="rect">
             <a:avLst/>
@@ -2476,7 +2477,7 @@
         <p:spPr>
           <a:xfrm>
             <a:off x="8455320" y="-102600"/>
-            <a:ext cx="5485680" cy="8717400"/>
+            <a:ext cx="5485320" cy="8717040"/>
           </a:xfrm>
           <a:prstGeom prst="rect">
             <a:avLst/>
@@ -2496,7 +2497,7 @@
         <p:spPr>
           <a:xfrm>
             <a:off x="1657440" y="813960"/>
-            <a:ext cx="5217480" cy="6251400"/>
+            <a:ext cx="5217120" cy="6251040"/>
           </a:xfrm>
           <a:prstGeom prst="rect">
             <a:avLst/>
@@ -2968,7 +2969,7 @@
         <p:spPr>
           <a:xfrm>
             <a:off x="297000" y="3012840"/>
-            <a:ext cx="8538480" cy="1658880"/>
+            <a:ext cx="8538120" cy="1658520"/>
           </a:xfrm>
           <a:prstGeom prst="rect">
             <a:avLst/>
@@ -3021,7 +3022,7 @@
         <p:spPr>
           <a:xfrm>
             <a:off x="8961480" y="903960"/>
-            <a:ext cx="4704480" cy="6676200"/>
+            <a:ext cx="4704120" cy="6675840"/>
           </a:xfrm>
           <a:prstGeom prst="rect">
             <a:avLst/>
@@ -3075,7 +3076,7 @@
         <p:spPr>
           <a:xfrm>
             <a:off x="0" y="0"/>
-            <a:ext cx="14629680" cy="8228880"/>
+            <a:ext cx="14629320" cy="8228520"/>
           </a:xfrm>
           <a:prstGeom prst="rect">
             <a:avLst/>
@@ -3095,7 +3096,7 @@
         <p:spPr>
           <a:xfrm>
             <a:off x="0" y="0"/>
-            <a:ext cx="14629680" cy="8228880"/>
+            <a:ext cx="14629320" cy="8228520"/>
           </a:xfrm>
           <a:prstGeom prst="rect">
             <a:avLst/>
@@ -3148,7 +3149,7 @@
         <p:spPr>
           <a:xfrm>
             <a:off x="856800" y="673920"/>
-            <a:ext cx="12915720" cy="1529640"/>
+            <a:ext cx="12915360" cy="1529280"/>
           </a:xfrm>
           <a:prstGeom prst="rect">
             <a:avLst/>
@@ -3209,7 +3210,7 @@
         <p:spPr>
           <a:xfrm>
             <a:off x="856800" y="2693880"/>
-            <a:ext cx="12915720" cy="390960"/>
+            <a:ext cx="12915360" cy="390600"/>
           </a:xfrm>
           <a:prstGeom prst="rect">
             <a:avLst/>
@@ -3270,7 +3271,7 @@
         <p:spPr>
           <a:xfrm>
             <a:off x="856800" y="3636000"/>
-            <a:ext cx="550080" cy="550080"/>
+            <a:ext cx="549720" cy="549720"/>
           </a:xfrm>
           <a:prstGeom prst="roundRect">
             <a:avLst>
@@ -3326,7 +3327,7 @@
         <p:spPr>
           <a:xfrm>
             <a:off x="1035000" y="3727800"/>
-            <a:ext cx="193680" cy="366480"/>
+            <a:ext cx="193320" cy="366120"/>
           </a:xfrm>
           <a:prstGeom prst="rect">
             <a:avLst/>
@@ -3387,7 +3388,7 @@
         <p:spPr>
           <a:xfrm>
             <a:off x="1652760" y="3636000"/>
-            <a:ext cx="3345840" cy="764280"/>
+            <a:ext cx="3345480" cy="763920"/>
           </a:xfrm>
           <a:prstGeom prst="rect">
             <a:avLst/>
@@ -3448,7 +3449,7 @@
         <p:spPr>
           <a:xfrm>
             <a:off x="1652760" y="4548240"/>
-            <a:ext cx="3345840" cy="1173960"/>
+            <a:ext cx="3345480" cy="1173600"/>
           </a:xfrm>
           <a:prstGeom prst="rect">
             <a:avLst/>
@@ -3509,7 +3510,7 @@
         <p:spPr>
           <a:xfrm>
             <a:off x="5244120" y="3636000"/>
-            <a:ext cx="550080" cy="550080"/>
+            <a:ext cx="549720" cy="549720"/>
           </a:xfrm>
           <a:prstGeom prst="roundRect">
             <a:avLst>
@@ -3565,7 +3566,7 @@
         <p:spPr>
           <a:xfrm>
             <a:off x="5335200" y="3727800"/>
-            <a:ext cx="367560" cy="366480"/>
+            <a:ext cx="367200" cy="366120"/>
           </a:xfrm>
           <a:prstGeom prst="rect">
             <a:avLst/>
@@ -3626,7 +3627,7 @@
         <p:spPr>
           <a:xfrm>
             <a:off x="6039720" y="3636000"/>
-            <a:ext cx="3345840" cy="764280"/>
+            <a:ext cx="3345480" cy="763920"/>
           </a:xfrm>
           <a:prstGeom prst="rect">
             <a:avLst/>
@@ -3687,7 +3688,7 @@
         <p:spPr>
           <a:xfrm>
             <a:off x="6039720" y="4548240"/>
-            <a:ext cx="3345840" cy="782640"/>
+            <a:ext cx="3345480" cy="782280"/>
           </a:xfrm>
           <a:prstGeom prst="rect">
             <a:avLst/>
@@ -3748,7 +3749,7 @@
         <p:spPr>
           <a:xfrm>
             <a:off x="9631080" y="3636000"/>
-            <a:ext cx="550080" cy="550080"/>
+            <a:ext cx="549720" cy="549720"/>
           </a:xfrm>
           <a:prstGeom prst="roundRect">
             <a:avLst>
@@ -3804,7 +3805,7 @@
         <p:spPr>
           <a:xfrm>
             <a:off x="9712800" y="3727800"/>
-            <a:ext cx="386640" cy="366480"/>
+            <a:ext cx="386280" cy="366120"/>
           </a:xfrm>
           <a:prstGeom prst="rect">
             <a:avLst/>
@@ -3865,7 +3866,7 @@
         <p:spPr>
           <a:xfrm>
             <a:off x="10426680" y="3636000"/>
-            <a:ext cx="3345840" cy="764280"/>
+            <a:ext cx="3345480" cy="763920"/>
           </a:xfrm>
           <a:prstGeom prst="rect">
             <a:avLst/>
@@ -3926,7 +3927,7 @@
         <p:spPr>
           <a:xfrm>
             <a:off x="10426680" y="4548240"/>
-            <a:ext cx="3345840" cy="1173960"/>
+            <a:ext cx="3345480" cy="1173600"/>
           </a:xfrm>
           <a:prstGeom prst="rect">
             <a:avLst/>
@@ -3987,7 +3988,7 @@
         <p:spPr>
           <a:xfrm>
             <a:off x="856800" y="6243120"/>
-            <a:ext cx="550080" cy="550080"/>
+            <a:ext cx="549720" cy="549720"/>
           </a:xfrm>
           <a:prstGeom prst="roundRect">
             <a:avLst>
@@ -4043,7 +4044,7 @@
         <p:spPr>
           <a:xfrm>
             <a:off x="931320" y="6334920"/>
-            <a:ext cx="401040" cy="366480"/>
+            <a:ext cx="400680" cy="366120"/>
           </a:xfrm>
           <a:prstGeom prst="rect">
             <a:avLst/>
@@ -4104,7 +4105,7 @@
         <p:spPr>
           <a:xfrm>
             <a:off x="1652760" y="6243120"/>
-            <a:ext cx="4438080" cy="381960"/>
+            <a:ext cx="4437720" cy="381600"/>
           </a:xfrm>
           <a:prstGeom prst="rect">
             <a:avLst/>
@@ -4165,7 +4166,7 @@
         <p:spPr>
           <a:xfrm>
             <a:off x="1652760" y="6772320"/>
-            <a:ext cx="5539320" cy="782640"/>
+            <a:ext cx="5538960" cy="782280"/>
           </a:xfrm>
           <a:prstGeom prst="rect">
             <a:avLst/>
@@ -4226,7 +4227,7 @@
         <p:spPr>
           <a:xfrm>
             <a:off x="7437600" y="6243120"/>
-            <a:ext cx="550080" cy="550080"/>
+            <a:ext cx="549720" cy="549720"/>
           </a:xfrm>
           <a:prstGeom prst="roundRect">
             <a:avLst>
@@ -4282,7 +4283,7 @@
         <p:spPr>
           <a:xfrm>
             <a:off x="7526520" y="6334920"/>
-            <a:ext cx="372240" cy="366480"/>
+            <a:ext cx="371880" cy="366120"/>
           </a:xfrm>
           <a:prstGeom prst="rect">
             <a:avLst/>
@@ -4343,7 +4344,7 @@
         <p:spPr>
           <a:xfrm>
             <a:off x="8233200" y="6243120"/>
-            <a:ext cx="4326840" cy="381960"/>
+            <a:ext cx="4326480" cy="381600"/>
           </a:xfrm>
           <a:prstGeom prst="rect">
             <a:avLst/>
@@ -4416,7 +4417,7 @@
         <p:spPr>
           <a:xfrm>
             <a:off x="8233200" y="6772320"/>
-            <a:ext cx="5539320" cy="782640"/>
+            <a:ext cx="5538960" cy="782280"/>
           </a:xfrm>
           <a:prstGeom prst="rect">
             <a:avLst/>
@@ -4511,7 +4512,7 @@
         <p:spPr>
           <a:xfrm>
             <a:off x="0" y="0"/>
-            <a:ext cx="14629680" cy="8228880"/>
+            <a:ext cx="14629320" cy="8228520"/>
           </a:xfrm>
           <a:prstGeom prst="rect">
             <a:avLst/>
@@ -4531,7 +4532,7 @@
         <p:spPr>
           <a:xfrm>
             <a:off x="-2329920" y="0"/>
-            <a:ext cx="14629680" cy="8228880"/>
+            <a:ext cx="14629320" cy="8228520"/>
           </a:xfrm>
           <a:prstGeom prst="rect">
             <a:avLst/>
@@ -4588,7 +4589,7 @@
         <p:spPr>
           <a:xfrm>
             <a:off x="0" y="0"/>
-            <a:ext cx="5485680" cy="8228880"/>
+            <a:ext cx="5485320" cy="8228520"/>
           </a:xfrm>
           <a:prstGeom prst="rect">
             <a:avLst/>
@@ -4608,7 +4609,7 @@
         <p:spPr>
           <a:xfrm>
             <a:off x="6091200" y="1374480"/>
-            <a:ext cx="7933680" cy="1079280"/>
+            <a:ext cx="7933320" cy="1078920"/>
           </a:xfrm>
           <a:prstGeom prst="rect">
             <a:avLst/>
@@ -4669,7 +4670,7 @@
         <p:spPr>
           <a:xfrm>
             <a:off x="6091200" y="2101680"/>
-            <a:ext cx="7933680" cy="275760"/>
+            <a:ext cx="7933320" cy="275400"/>
           </a:xfrm>
           <a:prstGeom prst="rect">
             <a:avLst/>
@@ -4730,7 +4731,7 @@
         <p:spPr>
           <a:xfrm>
             <a:off x="6091200" y="3184560"/>
-            <a:ext cx="7933680" cy="3669840"/>
+            <a:ext cx="7933320" cy="3669480"/>
           </a:xfrm>
           <a:prstGeom prst="roundRect">
             <a:avLst>
@@ -4786,7 +4787,7 @@
         <p:spPr>
           <a:xfrm>
             <a:off x="6098760" y="3192120"/>
-            <a:ext cx="7918200" cy="1051560"/>
+            <a:ext cx="7917840" cy="1051200"/>
           </a:xfrm>
           <a:prstGeom prst="rect">
             <a:avLst/>
@@ -4839,7 +4840,7 @@
         <p:spPr>
           <a:xfrm>
             <a:off x="6271560" y="3303360"/>
-            <a:ext cx="3609360" cy="275760"/>
+            <a:ext cx="3609000" cy="275400"/>
           </a:xfrm>
           <a:prstGeom prst="rect">
             <a:avLst/>
@@ -4900,7 +4901,7 @@
         <p:spPr>
           <a:xfrm>
             <a:off x="9766440" y="3303360"/>
-            <a:ext cx="3609360" cy="829080"/>
+            <a:ext cx="3609000" cy="828720"/>
           </a:xfrm>
           <a:prstGeom prst="rect">
             <a:avLst/>
@@ -4961,7 +4962,7 @@
         <p:spPr>
           <a:xfrm>
             <a:off x="6098760" y="4244400"/>
-            <a:ext cx="7918200" cy="1051560"/>
+            <a:ext cx="7917840" cy="1051200"/>
           </a:xfrm>
           <a:prstGeom prst="rect">
             <a:avLst/>
@@ -5014,7 +5015,7 @@
         <p:spPr>
           <a:xfrm>
             <a:off x="6271560" y="4355640"/>
-            <a:ext cx="3609360" cy="275760"/>
+            <a:ext cx="3609000" cy="275400"/>
           </a:xfrm>
           <a:prstGeom prst="rect">
             <a:avLst/>
@@ -5075,7 +5076,7 @@
         <p:spPr>
           <a:xfrm>
             <a:off x="9663480" y="4244040"/>
-            <a:ext cx="3609360" cy="829080"/>
+            <a:ext cx="3609000" cy="828720"/>
           </a:xfrm>
           <a:prstGeom prst="rect">
             <a:avLst/>
@@ -5166,7 +5167,7 @@
         <p:spPr>
           <a:xfrm>
             <a:off x="5234040" y="5296320"/>
-            <a:ext cx="7918200" cy="774720"/>
+            <a:ext cx="7917840" cy="774360"/>
           </a:xfrm>
           <a:prstGeom prst="rect">
             <a:avLst/>
@@ -5219,7 +5220,7 @@
         <p:spPr>
           <a:xfrm>
             <a:off x="6271560" y="5407560"/>
-            <a:ext cx="3609360" cy="275760"/>
+            <a:ext cx="3609000" cy="275400"/>
           </a:xfrm>
           <a:prstGeom prst="rect">
             <a:avLst/>
@@ -5280,7 +5281,7 @@
         <p:spPr>
           <a:xfrm>
             <a:off x="5378760" y="6108120"/>
-            <a:ext cx="7918200" cy="774720"/>
+            <a:ext cx="7917840" cy="774360"/>
           </a:xfrm>
           <a:prstGeom prst="rect">
             <a:avLst/>
@@ -5333,7 +5334,7 @@
         <p:spPr>
           <a:xfrm>
             <a:off x="6271560" y="6183360"/>
-            <a:ext cx="3609360" cy="275760"/>
+            <a:ext cx="3609000" cy="275400"/>
           </a:xfrm>
           <a:prstGeom prst="rect">
             <a:avLst/>
@@ -5398,7 +5399,7 @@
         <p:spPr>
           <a:xfrm>
             <a:off x="309240" y="1476720"/>
-            <a:ext cx="5022360" cy="4571640"/>
+            <a:ext cx="5022000" cy="4571280"/>
           </a:xfrm>
           <a:prstGeom prst="rect">
             <a:avLst/>
@@ -5418,7 +5419,7 @@
         <p:spPr>
           <a:xfrm>
             <a:off x="9881280" y="5553720"/>
-            <a:ext cx="3530520" cy="489600"/>
+            <a:ext cx="3530160" cy="489240"/>
           </a:xfrm>
           <a:prstGeom prst="rect">
             <a:avLst/>
@@ -5501,7 +5502,7 @@
         <p:spPr>
           <a:xfrm>
             <a:off x="9774000" y="6459480"/>
-            <a:ext cx="180360" cy="345960"/>
+            <a:ext cx="180000" cy="345600"/>
           </a:xfrm>
           <a:prstGeom prst="rect">
             <a:avLst/>
@@ -5551,7 +5552,7 @@
         <p:spPr>
           <a:xfrm>
             <a:off x="7236720" y="3944520"/>
-            <a:ext cx="179640" cy="345600"/>
+            <a:ext cx="179280" cy="345240"/>
           </a:xfrm>
           <a:prstGeom prst="rect">
             <a:avLst/>
@@ -5575,7 +5576,7 @@
         <p:spPr>
           <a:xfrm>
             <a:off x="7236720" y="3944520"/>
-            <a:ext cx="179640" cy="345600"/>
+            <a:ext cx="179280" cy="345240"/>
           </a:xfrm>
           <a:prstGeom prst="rect">
             <a:avLst/>
@@ -5599,7 +5600,7 @@
         <p:spPr>
           <a:xfrm>
             <a:off x="7236720" y="3944520"/>
-            <a:ext cx="179640" cy="345600"/>
+            <a:ext cx="179280" cy="345240"/>
           </a:xfrm>
           <a:prstGeom prst="rect">
             <a:avLst/>
@@ -5653,7 +5654,7 @@
         <p:spPr>
           <a:xfrm>
             <a:off x="0" y="0"/>
-            <a:ext cx="14629680" cy="8228880"/>
+            <a:ext cx="14629320" cy="8228520"/>
           </a:xfrm>
           <a:prstGeom prst="rect">
             <a:avLst/>
@@ -5673,7 +5674,7 @@
         <p:spPr>
           <a:xfrm>
             <a:off x="2275560" y="507600"/>
-            <a:ext cx="10078920" cy="1152360"/>
+            <a:ext cx="10078560" cy="1152000"/>
           </a:xfrm>
           <a:prstGeom prst="rect">
             <a:avLst/>
@@ -5734,7 +5735,7 @@
         <p:spPr>
           <a:xfrm>
             <a:off x="4646880" y="1981800"/>
-            <a:ext cx="5114520" cy="5056200"/>
+            <a:ext cx="5114160" cy="5055840"/>
           </a:xfrm>
           <a:prstGeom prst="rect">
             <a:avLst/>
@@ -6553,7 +6554,7 @@
         <p:spPr>
           <a:xfrm>
             <a:off x="0" y="0"/>
-            <a:ext cx="14629680" cy="8228880"/>
+            <a:ext cx="14629320" cy="8228520"/>
           </a:xfrm>
           <a:prstGeom prst="rect">
             <a:avLst/>
@@ -6573,7 +6574,7 @@
         <p:spPr>
           <a:xfrm>
             <a:off x="0" y="475200"/>
-            <a:ext cx="14629680" cy="7926120"/>
+            <a:ext cx="14629320" cy="7925760"/>
           </a:xfrm>
           <a:prstGeom prst="rect">
             <a:avLst/>
@@ -6626,7 +6627,7 @@
         <p:spPr>
           <a:xfrm>
             <a:off x="2594880" y="475200"/>
-            <a:ext cx="8781120" cy="539280"/>
+            <a:ext cx="8780760" cy="538920"/>
           </a:xfrm>
           <a:prstGeom prst="rect">
             <a:avLst/>
@@ -6691,7 +6692,7 @@
         <p:spPr>
           <a:xfrm>
             <a:off x="2307600" y="1175400"/>
-            <a:ext cx="734040" cy="1175040"/>
+            <a:ext cx="733680" cy="1174680"/>
           </a:xfrm>
           <a:prstGeom prst="rect">
             <a:avLst/>
@@ -6711,7 +6712,7 @@
         <p:spPr>
           <a:xfrm>
             <a:off x="3262680" y="1322640"/>
-            <a:ext cx="4658400" cy="228960"/>
+            <a:ext cx="4658040" cy="228600"/>
           </a:xfrm>
           <a:prstGeom prst="rect">
             <a:avLst/>
@@ -6772,7 +6773,7 @@
         <p:spPr>
           <a:xfrm>
             <a:off x="3262680" y="1640160"/>
-            <a:ext cx="7071840" cy="234360"/>
+            <a:ext cx="7071480" cy="234000"/>
           </a:xfrm>
           <a:prstGeom prst="rect">
             <a:avLst/>
@@ -6837,7 +6838,7 @@
         <p:spPr>
           <a:xfrm>
             <a:off x="2307600" y="2351160"/>
-            <a:ext cx="734040" cy="1175040"/>
+            <a:ext cx="733680" cy="1174680"/>
           </a:xfrm>
           <a:prstGeom prst="rect">
             <a:avLst/>
@@ -6857,7 +6858,7 @@
         <p:spPr>
           <a:xfrm>
             <a:off x="3262680" y="2498040"/>
-            <a:ext cx="3389400" cy="228960"/>
+            <a:ext cx="3389040" cy="228600"/>
           </a:xfrm>
           <a:prstGeom prst="rect">
             <a:avLst/>
@@ -6918,7 +6919,7 @@
         <p:spPr>
           <a:xfrm>
             <a:off x="3262680" y="2815920"/>
-            <a:ext cx="7071840" cy="234360"/>
+            <a:ext cx="7071480" cy="234000"/>
           </a:xfrm>
           <a:prstGeom prst="rect">
             <a:avLst/>
@@ -6983,7 +6984,7 @@
         <p:spPr>
           <a:xfrm>
             <a:off x="2307600" y="3526920"/>
-            <a:ext cx="734040" cy="1175040"/>
+            <a:ext cx="733680" cy="1174680"/>
           </a:xfrm>
           <a:prstGeom prst="rect">
             <a:avLst/>
@@ -7003,7 +7004,7 @@
         <p:spPr>
           <a:xfrm>
             <a:off x="3262680" y="3673800"/>
-            <a:ext cx="3815640" cy="228960"/>
+            <a:ext cx="3815280" cy="228600"/>
           </a:xfrm>
           <a:prstGeom prst="rect">
             <a:avLst/>
@@ -7064,7 +7065,7 @@
         <p:spPr>
           <a:xfrm>
             <a:off x="3262680" y="3991320"/>
-            <a:ext cx="7071840" cy="234360"/>
+            <a:ext cx="7071480" cy="234000"/>
           </a:xfrm>
           <a:prstGeom prst="rect">
             <a:avLst/>
@@ -7129,7 +7130,7 @@
         <p:spPr>
           <a:xfrm>
             <a:off x="2307600" y="4702680"/>
-            <a:ext cx="734040" cy="1175040"/>
+            <a:ext cx="733680" cy="1174680"/>
           </a:xfrm>
           <a:prstGeom prst="rect">
             <a:avLst/>
@@ -7149,7 +7150,7 @@
         <p:spPr>
           <a:xfrm>
             <a:off x="3262680" y="4849560"/>
-            <a:ext cx="3212280" cy="228960"/>
+            <a:ext cx="3211920" cy="228600"/>
           </a:xfrm>
           <a:prstGeom prst="rect">
             <a:avLst/>
@@ -7210,7 +7211,7 @@
         <p:spPr>
           <a:xfrm>
             <a:off x="3262680" y="5167080"/>
-            <a:ext cx="7071840" cy="234360"/>
+            <a:ext cx="7071480" cy="234000"/>
           </a:xfrm>
           <a:prstGeom prst="rect">
             <a:avLst/>
@@ -7275,7 +7276,7 @@
         <p:spPr>
           <a:xfrm>
             <a:off x="2307600" y="5878080"/>
-            <a:ext cx="734040" cy="1175040"/>
+            <a:ext cx="733680" cy="1174680"/>
           </a:xfrm>
           <a:prstGeom prst="rect">
             <a:avLst/>
@@ -7295,7 +7296,7 @@
         <p:spPr>
           <a:xfrm>
             <a:off x="3262680" y="6025320"/>
-            <a:ext cx="3285360" cy="228960"/>
+            <a:ext cx="3285000" cy="228600"/>
           </a:xfrm>
           <a:prstGeom prst="rect">
             <a:avLst/>
@@ -7356,7 +7357,7 @@
         <p:spPr>
           <a:xfrm>
             <a:off x="3262680" y="6342840"/>
-            <a:ext cx="7071840" cy="234360"/>
+            <a:ext cx="7071480" cy="234000"/>
           </a:xfrm>
           <a:prstGeom prst="rect">
             <a:avLst/>
@@ -7451,7 +7452,7 @@
         <p:spPr>
           <a:xfrm>
             <a:off x="0" y="0"/>
-            <a:ext cx="14629680" cy="8228880"/>
+            <a:ext cx="14629320" cy="8228520"/>
           </a:xfrm>
           <a:prstGeom prst="rect">
             <a:avLst/>
@@ -7471,7 +7472,7 @@
         <p:spPr>
           <a:xfrm>
             <a:off x="0" y="475200"/>
-            <a:ext cx="14629680" cy="7926120"/>
+            <a:ext cx="14629320" cy="7925760"/>
           </a:xfrm>
           <a:prstGeom prst="rect">
             <a:avLst/>
@@ -7524,7 +7525,7 @@
         <p:spPr>
           <a:xfrm>
             <a:off x="2594880" y="475200"/>
-            <a:ext cx="8781120" cy="539280"/>
+            <a:ext cx="8780760" cy="538920"/>
           </a:xfrm>
           <a:prstGeom prst="rect">
             <a:avLst/>
@@ -7589,7 +7590,7 @@
         <p:spPr>
           <a:xfrm>
             <a:off x="5630760" y="842760"/>
-            <a:ext cx="3674160" cy="6844320"/>
+            <a:ext cx="3673800" cy="6843960"/>
           </a:xfrm>
           <a:prstGeom prst="rect">
             <a:avLst/>
@@ -7643,7 +7644,7 @@
         <p:spPr>
           <a:xfrm>
             <a:off x="0" y="0"/>
-            <a:ext cx="14629680" cy="8228880"/>
+            <a:ext cx="14629320" cy="8228520"/>
           </a:xfrm>
           <a:prstGeom prst="rect">
             <a:avLst/>
@@ -7663,7 +7664,7 @@
         <p:spPr>
           <a:xfrm>
             <a:off x="0" y="0"/>
-            <a:ext cx="14629680" cy="8228880"/>
+            <a:ext cx="14629320" cy="8228520"/>
           </a:xfrm>
           <a:prstGeom prst="rect">
             <a:avLst/>
@@ -7720,7 +7721,7 @@
         <p:spPr>
           <a:xfrm>
             <a:off x="0" y="1229400"/>
-            <a:ext cx="14629680" cy="3085560"/>
+            <a:ext cx="14629320" cy="3085200"/>
           </a:xfrm>
           <a:prstGeom prst="rect">
             <a:avLst/>
@@ -7744,7 +7745,7 @@
         <p:spPr>
           <a:xfrm>
             <a:off x="5573880" y="812520"/>
-            <a:ext cx="3481920" cy="2468160"/>
+            <a:ext cx="3481560" cy="2467800"/>
           </a:xfrm>
           <a:prstGeom prst="rect">
             <a:avLst/>
@@ -7764,7 +7765,7 @@
         <p:spPr>
           <a:xfrm>
             <a:off x="379080" y="2005920"/>
-            <a:ext cx="6914160" cy="770760"/>
+            <a:ext cx="6913800" cy="770400"/>
           </a:xfrm>
           <a:prstGeom prst="rect">
             <a:avLst/>
@@ -7825,7 +7826,7 @@
         <p:spPr>
           <a:xfrm>
             <a:off x="864000" y="3877920"/>
-            <a:ext cx="12901680" cy="3734640"/>
+            <a:ext cx="12901320" cy="3734280"/>
           </a:xfrm>
           <a:prstGeom prst="rect">
             <a:avLst/>
